--- a/docs/tune-django-query.pptx
+++ b/docs/tune-django-query.pptx
@@ -11,6 +11,7 @@
     <p:sldId id="259" r:id="rId5"/>
     <p:sldId id="260" r:id="rId6"/>
     <p:sldId id="261" r:id="rId7"/>
+    <p:sldId id="262" r:id="rId8"/>
   </p:sldIdLst>
   <p:sldSz cx="12192000" cy="6858000"/>
   <p:notesSz cx="6858000" cy="9144000"/>
@@ -109,6 +110,11 @@
       </a:defRPr>
     </a:lvl9pPr>
   </p:defaultTextStyle>
+  <p:extLst>
+    <p:ext uri="{EFAFB233-063F-42B5-8137-9DF3F51BA10A}">
+      <p15:sldGuideLst xmlns:p15="http://schemas.microsoft.com/office/powerpoint/2012/main"/>
+    </p:ext>
+  </p:extLst>
 </p:presentation>
 </file>
 
@@ -3918,39 +3924,157 @@
           <a:bodyPr/>
           <a:lstStyle/>
           <a:p>
-            <a:endParaRPr lang="th-TH"/>
-          </a:p>
-        </p:txBody>
-      </p:sp>
-      <p:sp>
-        <p:nvSpPr>
-          <p:cNvPr id="3" name="Content Placeholder 2">
-            <a:extLst>
-              <a:ext uri="{FF2B5EF4-FFF2-40B4-BE49-F238E27FC236}">
-                <a16:creationId xmlns:a16="http://schemas.microsoft.com/office/drawing/2014/main" id="{D3B2B20E-E6F6-44BF-86D8-FA708A2B7F37}"/>
-              </a:ext>
-            </a:extLst>
-          </p:cNvPr>
-          <p:cNvSpPr>
-            <a:spLocks noGrp="1"/>
-          </p:cNvSpPr>
+            <a:r>
+              <a:rPr lang="en-US" dirty="0"/>
+              <a:t>http://127.0.0.1:8000/projects/</a:t>
+            </a:r>
+            <a:endParaRPr lang="th-TH" dirty="0"/>
+          </a:p>
+        </p:txBody>
+      </p:sp>
+      <p:pic>
+        <p:nvPicPr>
+          <p:cNvPr id="5" name="Content Placeholder 4">
+            <a:extLst>
+              <a:ext uri="{FF2B5EF4-FFF2-40B4-BE49-F238E27FC236}">
+                <a16:creationId xmlns:a16="http://schemas.microsoft.com/office/drawing/2014/main" id="{6135C264-22E2-417C-AEBF-8DD8C75F0FDD}"/>
+              </a:ext>
+            </a:extLst>
+          </p:cNvPr>
+          <p:cNvPicPr>
+            <a:picLocks noGrp="1" noChangeAspect="1"/>
+          </p:cNvPicPr>
           <p:nvPr>
             <p:ph idx="1"/>
           </p:nvPr>
-        </p:nvSpPr>
-        <p:spPr/>
-        <p:txBody>
-          <a:bodyPr/>
-          <a:lstStyle/>
-          <a:p>
-            <a:endParaRPr lang="th-TH"/>
-          </a:p>
-        </p:txBody>
-      </p:sp>
+        </p:nvPicPr>
+        <p:blipFill>
+          <a:blip r:embed="rId2"/>
+          <a:stretch>
+            <a:fillRect/>
+          </a:stretch>
+        </p:blipFill>
+        <p:spPr>
+          <a:xfrm>
+            <a:off x="731266" y="1253331"/>
+            <a:ext cx="8417192" cy="4351338"/>
+          </a:xfrm>
+        </p:spPr>
+      </p:pic>
     </p:spTree>
     <p:extLst>
       <p:ext uri="{BB962C8B-B14F-4D97-AF65-F5344CB8AC3E}">
         <p14:creationId xmlns:p14="http://schemas.microsoft.com/office/powerpoint/2010/main" val="1732500486"/>
+      </p:ext>
+    </p:extLst>
+  </p:cSld>
+  <p:clrMapOvr>
+    <a:masterClrMapping/>
+  </p:clrMapOvr>
+</p:sld>
+</file>
+
+<file path=ppt/slides/slide7.xml><?xml version="1.0" encoding="utf-8"?>
+<p:sld xmlns:a="http://schemas.openxmlformats.org/drawingml/2006/main" xmlns:r="http://schemas.openxmlformats.org/officeDocument/2006/relationships" xmlns:p="http://schemas.openxmlformats.org/presentationml/2006/main">
+  <p:cSld>
+    <p:spTree>
+      <p:nvGrpSpPr>
+        <p:cNvPr id="1" name=""/>
+        <p:cNvGrpSpPr/>
+        <p:nvPr/>
+      </p:nvGrpSpPr>
+      <p:grpSpPr>
+        <a:xfrm>
+          <a:off x="0" y="0"/>
+          <a:ext cx="0" cy="0"/>
+          <a:chOff x="0" y="0"/>
+          <a:chExt cx="0" cy="0"/>
+        </a:xfrm>
+      </p:grpSpPr>
+      <p:sp>
+        <p:nvSpPr>
+          <p:cNvPr id="2" name="Title 1">
+            <a:extLst>
+              <a:ext uri="{FF2B5EF4-FFF2-40B4-BE49-F238E27FC236}">
+                <a16:creationId xmlns:a16="http://schemas.microsoft.com/office/drawing/2014/main" id="{30EA50A3-FD58-4898-93AC-8926068BDC3B}"/>
+              </a:ext>
+            </a:extLst>
+          </p:cNvPr>
+          <p:cNvSpPr>
+            <a:spLocks noGrp="1"/>
+          </p:cNvSpPr>
+          <p:nvPr>
+            <p:ph type="title"/>
+          </p:nvPr>
+        </p:nvSpPr>
+        <p:spPr/>
+        <p:txBody>
+          <a:bodyPr/>
+          <a:lstStyle/>
+          <a:p>
+            <a:endParaRPr lang="th-TH"/>
+          </a:p>
+        </p:txBody>
+      </p:sp>
+      <p:sp>
+        <p:nvSpPr>
+          <p:cNvPr id="3" name="Content Placeholder 2">
+            <a:extLst>
+              <a:ext uri="{FF2B5EF4-FFF2-40B4-BE49-F238E27FC236}">
+                <a16:creationId xmlns:a16="http://schemas.microsoft.com/office/drawing/2014/main" id="{0D29E812-E2DD-434E-A5A9-1F348F69454E}"/>
+              </a:ext>
+            </a:extLst>
+          </p:cNvPr>
+          <p:cNvSpPr>
+            <a:spLocks noGrp="1"/>
+          </p:cNvSpPr>
+          <p:nvPr>
+            <p:ph idx="1"/>
+          </p:nvPr>
+        </p:nvSpPr>
+        <p:spPr/>
+        <p:txBody>
+          <a:bodyPr/>
+          <a:lstStyle/>
+          <a:p>
+            <a:endParaRPr lang="th-TH"/>
+          </a:p>
+        </p:txBody>
+      </p:sp>
+      <p:pic>
+        <p:nvPicPr>
+          <p:cNvPr id="5" name="Picture 4">
+            <a:extLst>
+              <a:ext uri="{FF2B5EF4-FFF2-40B4-BE49-F238E27FC236}">
+                <a16:creationId xmlns:a16="http://schemas.microsoft.com/office/drawing/2014/main" id="{75E95624-81D7-4C9B-AE45-51BCCC3E9A10}"/>
+              </a:ext>
+            </a:extLst>
+          </p:cNvPr>
+          <p:cNvPicPr>
+            <a:picLocks noChangeAspect="1"/>
+          </p:cNvPicPr>
+          <p:nvPr/>
+        </p:nvPicPr>
+        <p:blipFill>
+          <a:blip r:embed="rId2"/>
+          <a:stretch>
+            <a:fillRect/>
+          </a:stretch>
+        </p:blipFill>
+        <p:spPr>
+          <a:xfrm>
+            <a:off x="344014" y="365125"/>
+            <a:ext cx="12008467" cy="5937555"/>
+          </a:xfrm>
+          <a:prstGeom prst="rect">
+            <a:avLst/>
+          </a:prstGeom>
+        </p:spPr>
+      </p:pic>
+    </p:spTree>
+    <p:extLst>
+      <p:ext uri="{BB962C8B-B14F-4D97-AF65-F5344CB8AC3E}">
+        <p14:creationId xmlns:p14="http://schemas.microsoft.com/office/powerpoint/2010/main" val="1654895674"/>
       </p:ext>
     </p:extLst>
   </p:cSld>
